--- a/BaoCao/Nhom15_BaoCaoCNPM_UngDungTangQua.pptx
+++ b/BaoCao/Nhom15_BaoCaoCNPM_UngDungTangQua.pptx
@@ -1294,18 +1294,18 @@
     </dgm:pt>
   </dgm:ptLst>
   <dgm:cxnLst>
+    <dgm:cxn modelId="{901197E8-0065-4598-A7D0-0AEB41048512}" type="presOf" srcId="{078DBC63-AF37-4F74-B477-8902240A8688}" destId="{CB9852CA-A53C-4980-A04D-81684C2EAD39}" srcOrd="0" destOrd="0" presId="urn:microsoft.com/office/officeart/2008/layout/VerticalCurvedList"/>
+    <dgm:cxn modelId="{8CAC9DC4-561E-4395-8B1C-D70120E7C200}" srcId="{BB23C3C5-65F1-49F8-B2F3-4910D17B8AFF}" destId="{7DBD7BFA-C961-48DF-BD90-1509388636BB}" srcOrd="1" destOrd="0" parTransId="{EA533450-CB78-4963-941D-98AC03D61D75}" sibTransId="{6BD65344-C7C1-4CF3-9583-B5CAD9596965}"/>
     <dgm:cxn modelId="{A609F119-E46F-4462-B02B-99D117A9CBC4}" type="presOf" srcId="{BB23C3C5-65F1-49F8-B2F3-4910D17B8AFF}" destId="{F25BD10F-3A93-4DBC-8F2B-EC73C0093B1F}" srcOrd="0" destOrd="0" presId="urn:microsoft.com/office/officeart/2008/layout/VerticalCurvedList"/>
     <dgm:cxn modelId="{92A88252-9247-4075-9ECA-E1E43C43070E}" srcId="{BB23C3C5-65F1-49F8-B2F3-4910D17B8AFF}" destId="{078DBC63-AF37-4F74-B477-8902240A8688}" srcOrd="0" destOrd="0" parTransId="{D12B6195-2488-4547-AFD6-8AE104551BED}" sibTransId="{421C7318-12B1-4D54-A528-49525EFBD5F7}"/>
-    <dgm:cxn modelId="{901197E8-0065-4598-A7D0-0AEB41048512}" type="presOf" srcId="{078DBC63-AF37-4F74-B477-8902240A8688}" destId="{CB9852CA-A53C-4980-A04D-81684C2EAD39}" srcOrd="0" destOrd="0" presId="urn:microsoft.com/office/officeart/2008/layout/VerticalCurvedList"/>
-    <dgm:cxn modelId="{B2F7DCB1-5AE6-42C0-B00C-B40B0FC87A92}" srcId="{BB23C3C5-65F1-49F8-B2F3-4910D17B8AFF}" destId="{DC0C6AF7-7FEF-4E10-BF9B-9C266300B0D2}" srcOrd="3" destOrd="0" parTransId="{D248D070-A04D-47D6-A454-2AFF46D48B75}" sibTransId="{710A7B2A-F708-4C63-9BFE-34F400ED1DF8}"/>
-    <dgm:cxn modelId="{2A59E6D3-9C0C-4CB1-B189-E1762F935B3E}" type="presOf" srcId="{224FC9C1-A514-4C8A-8FF4-4D287400427C}" destId="{6D162508-6256-476C-86D9-FBC6AA742AC2}" srcOrd="0" destOrd="0" presId="urn:microsoft.com/office/officeart/2008/layout/VerticalCurvedList"/>
-    <dgm:cxn modelId="{8CAC9DC4-561E-4395-8B1C-D70120E7C200}" srcId="{BB23C3C5-65F1-49F8-B2F3-4910D17B8AFF}" destId="{7DBD7BFA-C961-48DF-BD90-1509388636BB}" srcOrd="1" destOrd="0" parTransId="{EA533450-CB78-4963-941D-98AC03D61D75}" sibTransId="{6BD65344-C7C1-4CF3-9583-B5CAD9596965}"/>
-    <dgm:cxn modelId="{39DB5787-4651-4108-BA2F-3DD3921512F5}" type="presOf" srcId="{DC0C6AF7-7FEF-4E10-BF9B-9C266300B0D2}" destId="{4D4FF552-2606-4337-BE1F-4FF648CAAECB}" srcOrd="0" destOrd="0" presId="urn:microsoft.com/office/officeart/2008/layout/VerticalCurvedList"/>
-    <dgm:cxn modelId="{19C1F146-A4F1-4EA4-A5B7-D268CCB2B57B}" srcId="{BB23C3C5-65F1-49F8-B2F3-4910D17B8AFF}" destId="{A153215A-C953-4E34-ABA9-13D76CF6A2B2}" srcOrd="2" destOrd="0" parTransId="{0B954FA2-172D-448B-ADD9-C5904229C007}" sibTransId="{30C6D00E-1BBE-4DEE-A54F-CC33903D7FDA}"/>
     <dgm:cxn modelId="{EE551A57-E95E-4103-AB50-766E66132A3D}" type="presOf" srcId="{7DBD7BFA-C961-48DF-BD90-1509388636BB}" destId="{11791E16-6695-4345-9150-4C079C982BC2}" srcOrd="0" destOrd="0" presId="urn:microsoft.com/office/officeart/2008/layout/VerticalCurvedList"/>
-    <dgm:cxn modelId="{1C6BBACF-4962-4481-BF54-3716F5E77443}" srcId="{BB23C3C5-65F1-49F8-B2F3-4910D17B8AFF}" destId="{224FC9C1-A514-4C8A-8FF4-4D287400427C}" srcOrd="4" destOrd="0" parTransId="{E3BDDA38-96B2-4EE6-803D-656F9551D4F1}" sibTransId="{0F5D95C5-925D-4020-9B71-95B07F8F05D6}"/>
     <dgm:cxn modelId="{91D6169B-4DAE-41D8-A1BB-34D502C6C357}" type="presOf" srcId="{421C7318-12B1-4D54-A528-49525EFBD5F7}" destId="{3C1AD17E-5C62-415B-B799-1BB3B87D3F85}" srcOrd="0" destOrd="0" presId="urn:microsoft.com/office/officeart/2008/layout/VerticalCurvedList"/>
     <dgm:cxn modelId="{E981FA6B-BE21-4F21-B0DC-09C91F1DF797}" type="presOf" srcId="{A153215A-C953-4E34-ABA9-13D76CF6A2B2}" destId="{64F58FB7-5E92-4E02-8055-7C07ADA485B6}" srcOrd="0" destOrd="0" presId="urn:microsoft.com/office/officeart/2008/layout/VerticalCurvedList"/>
+    <dgm:cxn modelId="{2A59E6D3-9C0C-4CB1-B189-E1762F935B3E}" type="presOf" srcId="{224FC9C1-A514-4C8A-8FF4-4D287400427C}" destId="{6D162508-6256-476C-86D9-FBC6AA742AC2}" srcOrd="0" destOrd="0" presId="urn:microsoft.com/office/officeart/2008/layout/VerticalCurvedList"/>
+    <dgm:cxn modelId="{19C1F146-A4F1-4EA4-A5B7-D268CCB2B57B}" srcId="{BB23C3C5-65F1-49F8-B2F3-4910D17B8AFF}" destId="{A153215A-C953-4E34-ABA9-13D76CF6A2B2}" srcOrd="2" destOrd="0" parTransId="{0B954FA2-172D-448B-ADD9-C5904229C007}" sibTransId="{30C6D00E-1BBE-4DEE-A54F-CC33903D7FDA}"/>
+    <dgm:cxn modelId="{B2F7DCB1-5AE6-42C0-B00C-B40B0FC87A92}" srcId="{BB23C3C5-65F1-49F8-B2F3-4910D17B8AFF}" destId="{DC0C6AF7-7FEF-4E10-BF9B-9C266300B0D2}" srcOrd="3" destOrd="0" parTransId="{D248D070-A04D-47D6-A454-2AFF46D48B75}" sibTransId="{710A7B2A-F708-4C63-9BFE-34F400ED1DF8}"/>
+    <dgm:cxn modelId="{39DB5787-4651-4108-BA2F-3DD3921512F5}" type="presOf" srcId="{DC0C6AF7-7FEF-4E10-BF9B-9C266300B0D2}" destId="{4D4FF552-2606-4337-BE1F-4FF648CAAECB}" srcOrd="0" destOrd="0" presId="urn:microsoft.com/office/officeart/2008/layout/VerticalCurvedList"/>
+    <dgm:cxn modelId="{1C6BBACF-4962-4481-BF54-3716F5E77443}" srcId="{BB23C3C5-65F1-49F8-B2F3-4910D17B8AFF}" destId="{224FC9C1-A514-4C8A-8FF4-4D287400427C}" srcOrd="4" destOrd="0" parTransId="{E3BDDA38-96B2-4EE6-803D-656F9551D4F1}" sibTransId="{0F5D95C5-925D-4020-9B71-95B07F8F05D6}"/>
     <dgm:cxn modelId="{DCA05CF8-B662-4AB0-AFD8-2D343EB7E987}" type="presParOf" srcId="{F25BD10F-3A93-4DBC-8F2B-EC73C0093B1F}" destId="{7592C252-E1F7-426F-8C71-D8D464AC11C9}" srcOrd="0" destOrd="0" presId="urn:microsoft.com/office/officeart/2008/layout/VerticalCurvedList"/>
     <dgm:cxn modelId="{CE79B636-2773-4FA2-B80F-9F49DEAC9D56}" type="presParOf" srcId="{7592C252-E1F7-426F-8C71-D8D464AC11C9}" destId="{DABDD012-BB9D-479E-A932-43654463763B}" srcOrd="0" destOrd="0" presId="urn:microsoft.com/office/officeart/2008/layout/VerticalCurvedList"/>
     <dgm:cxn modelId="{78307243-C58C-46DF-85DE-397103FB017F}" type="presParOf" srcId="{DABDD012-BB9D-479E-A932-43654463763B}" destId="{097DFB9D-5950-4555-B8B2-76661F66C42F}" srcOrd="0" destOrd="0" presId="urn:microsoft.com/office/officeart/2008/layout/VerticalCurvedList"/>
@@ -4426,7 +4426,7 @@
           <a:p>
             <a:fld id="{ED5D2412-FD48-419A-8863-3C41B8089726}" type="datetimeFigureOut">
               <a:rPr lang="en-US" smtClean="0"/>
-              <a:t>09/06/2021</a:t>
+              <a:t>11/06/2021</a:t>
             </a:fld>
             <a:endParaRPr lang="en-US"/>
           </a:p>
@@ -4882,7 +4882,7 @@
           <a:p>
             <a:fld id="{D79068B3-296A-4900-8E49-111DCA9E7E18}" type="datetimeFigureOut">
               <a:rPr lang="en-US" smtClean="0"/>
-              <a:t>09/06/2021</a:t>
+              <a:t>11/06/2021</a:t>
             </a:fld>
             <a:endParaRPr lang="en-US"/>
           </a:p>
@@ -5220,7 +5220,7 @@
           <a:p>
             <a:fld id="{D79068B3-296A-4900-8E49-111DCA9E7E18}" type="datetimeFigureOut">
               <a:rPr lang="en-US" smtClean="0"/>
-              <a:t>09/06/2021</a:t>
+              <a:t>11/06/2021</a:t>
             </a:fld>
             <a:endParaRPr lang="en-US"/>
           </a:p>
@@ -5621,7 +5621,7 @@
           <a:p>
             <a:fld id="{D79068B3-296A-4900-8E49-111DCA9E7E18}" type="datetimeFigureOut">
               <a:rPr lang="en-US" smtClean="0"/>
-              <a:t>09/06/2021</a:t>
+              <a:t>11/06/2021</a:t>
             </a:fld>
             <a:endParaRPr lang="en-US"/>
           </a:p>
@@ -5957,7 +5957,7 @@
           <a:p>
             <a:fld id="{D79068B3-296A-4900-8E49-111DCA9E7E18}" type="datetimeFigureOut">
               <a:rPr lang="en-US" smtClean="0"/>
-              <a:t>09/06/2021</a:t>
+              <a:t>11/06/2021</a:t>
             </a:fld>
             <a:endParaRPr lang="en-US"/>
           </a:p>
@@ -6277,7 +6277,7 @@
           <a:p>
             <a:fld id="{D79068B3-296A-4900-8E49-111DCA9E7E18}" type="datetimeFigureOut">
               <a:rPr lang="en-US" smtClean="0"/>
-              <a:t>09/06/2021</a:t>
+              <a:t>11/06/2021</a:t>
             </a:fld>
             <a:endParaRPr lang="en-US"/>
           </a:p>
@@ -6673,7 +6673,7 @@
           <a:p>
             <a:fld id="{D79068B3-296A-4900-8E49-111DCA9E7E18}" type="datetimeFigureOut">
               <a:rPr lang="en-US" smtClean="0"/>
-              <a:t>09/06/2021</a:t>
+              <a:t>11/06/2021</a:t>
             </a:fld>
             <a:endParaRPr lang="en-US"/>
           </a:p>
@@ -6930,7 +6930,7 @@
           <a:p>
             <a:fld id="{D79068B3-296A-4900-8E49-111DCA9E7E18}" type="datetimeFigureOut">
               <a:rPr lang="en-US" smtClean="0"/>
-              <a:t>09/06/2021</a:t>
+              <a:t>11/06/2021</a:t>
             </a:fld>
             <a:endParaRPr lang="en-US"/>
           </a:p>
@@ -7192,7 +7192,7 @@
           <a:p>
             <a:fld id="{D79068B3-296A-4900-8E49-111DCA9E7E18}" type="datetimeFigureOut">
               <a:rPr lang="en-US" smtClean="0"/>
-              <a:t>09/06/2021</a:t>
+              <a:t>11/06/2021</a:t>
             </a:fld>
             <a:endParaRPr lang="en-US"/>
           </a:p>
@@ -7454,7 +7454,7 @@
           <a:p>
             <a:fld id="{D79068B3-296A-4900-8E49-111DCA9E7E18}" type="datetimeFigureOut">
               <a:rPr lang="en-US" smtClean="0"/>
-              <a:t>09/06/2021</a:t>
+              <a:t>11/06/2021</a:t>
             </a:fld>
             <a:endParaRPr lang="en-US"/>
           </a:p>
@@ -7783,7 +7783,7 @@
           <a:p>
             <a:fld id="{D79068B3-296A-4900-8E49-111DCA9E7E18}" type="datetimeFigureOut">
               <a:rPr lang="en-US" smtClean="0"/>
-              <a:t>09/06/2021</a:t>
+              <a:t>11/06/2021</a:t>
             </a:fld>
             <a:endParaRPr lang="en-US"/>
           </a:p>
@@ -8106,7 +8106,7 @@
           <a:p>
             <a:fld id="{D79068B3-296A-4900-8E49-111DCA9E7E18}" type="datetimeFigureOut">
               <a:rPr lang="en-US" smtClean="0"/>
-              <a:t>09/06/2021</a:t>
+              <a:t>11/06/2021</a:t>
             </a:fld>
             <a:endParaRPr lang="en-US"/>
           </a:p>
@@ -8563,7 +8563,7 @@
           <a:p>
             <a:fld id="{D79068B3-296A-4900-8E49-111DCA9E7E18}" type="datetimeFigureOut">
               <a:rPr lang="en-US" smtClean="0"/>
-              <a:t>09/06/2021</a:t>
+              <a:t>11/06/2021</a:t>
             </a:fld>
             <a:endParaRPr lang="en-US"/>
           </a:p>
@@ -8768,7 +8768,7 @@
           <a:p>
             <a:fld id="{D79068B3-296A-4900-8E49-111DCA9E7E18}" type="datetimeFigureOut">
               <a:rPr lang="en-US" smtClean="0"/>
-              <a:t>09/06/2021</a:t>
+              <a:t>11/06/2021</a:t>
             </a:fld>
             <a:endParaRPr lang="en-US"/>
           </a:p>
@@ -8945,7 +8945,7 @@
           <a:p>
             <a:fld id="{D79068B3-296A-4900-8E49-111DCA9E7E18}" type="datetimeFigureOut">
               <a:rPr lang="en-US" smtClean="0"/>
-              <a:t>09/06/2021</a:t>
+              <a:t>11/06/2021</a:t>
             </a:fld>
             <a:endParaRPr lang="en-US"/>
           </a:p>
@@ -9278,7 +9278,7 @@
           <a:p>
             <a:fld id="{D79068B3-296A-4900-8E49-111DCA9E7E18}" type="datetimeFigureOut">
               <a:rPr lang="en-US" smtClean="0"/>
-              <a:t>09/06/2021</a:t>
+              <a:t>11/06/2021</a:t>
             </a:fld>
             <a:endParaRPr lang="en-US"/>
           </a:p>
@@ -9623,7 +9623,7 @@
           <a:p>
             <a:fld id="{D79068B3-296A-4900-8E49-111DCA9E7E18}" type="datetimeFigureOut">
               <a:rPr lang="en-US" smtClean="0"/>
-              <a:t>09/06/2021</a:t>
+              <a:t>11/06/2021</a:t>
             </a:fld>
             <a:endParaRPr lang="en-US"/>
           </a:p>
@@ -11740,7 +11740,7 @@
           <a:p>
             <a:fld id="{D79068B3-296A-4900-8E49-111DCA9E7E18}" type="datetimeFigureOut">
               <a:rPr lang="en-US" smtClean="0"/>
-              <a:t>09/06/2021</a:t>
+              <a:t>11/06/2021</a:t>
             </a:fld>
             <a:endParaRPr lang="en-US"/>
           </a:p>
@@ -13003,14 +13003,7 @@
                 <a:latin typeface="Arial" panose="020B0604020202020204" pitchFamily="34" charset="0"/>
                 <a:cs typeface="Arial" panose="020B0604020202020204" pitchFamily="34" charset="0"/>
               </a:rPr>
-              <a:t>Thành </a:t>
-            </a:r>
-            <a:r>
-              <a:rPr lang="en-US" sz="2400" dirty="0" smtClean="0">
-                <a:latin typeface="Arial" panose="020B0604020202020204" pitchFamily="34" charset="0"/>
-                <a:cs typeface="Arial" panose="020B0604020202020204" pitchFamily="34" charset="0"/>
-              </a:rPr>
-              <a:t>viên:</a:t>
+              <a:t>Thành viên:</a:t>
             </a:r>
           </a:p>
           <a:p>
@@ -14617,7 +14610,7 @@
       </p:sp>
       <p:pic>
         <p:nvPicPr>
-          <p:cNvPr id="5" name="Picture 4"/>
+          <p:cNvPr id="2" name="Picture 1"/>
           <p:cNvPicPr>
             <a:picLocks noChangeAspect="1"/>
           </p:cNvPicPr>
@@ -14631,8 +14624,8 @@
         </p:blipFill>
         <p:spPr>
           <a:xfrm>
-            <a:off x="2155372" y="1015662"/>
-            <a:ext cx="9496698" cy="5448573"/>
+            <a:off x="2069375" y="923925"/>
+            <a:ext cx="8707482" cy="5934075"/>
           </a:xfrm>
           <a:prstGeom prst="rect">
             <a:avLst/>
@@ -14652,75 +14645,7 @@
   <p:timing>
     <p:tnLst>
       <p:par>
-        <p:cTn id="1" dur="indefinite" restart="never" nodeType="tmRoot">
-          <p:childTnLst>
-            <p:seq concurrent="1" nextAc="seek">
-              <p:cTn id="2" dur="indefinite" nodeType="mainSeq">
-                <p:childTnLst>
-                  <p:par>
-                    <p:cTn id="3" fill="hold">
-                      <p:stCondLst>
-                        <p:cond delay="indefinite"/>
-                      </p:stCondLst>
-                      <p:childTnLst>
-                        <p:par>
-                          <p:cTn id="4" fill="hold">
-                            <p:stCondLst>
-                              <p:cond delay="0"/>
-                            </p:stCondLst>
-                            <p:childTnLst>
-                              <p:par>
-                                <p:cTn id="5" presetID="1" presetClass="entr" presetSubtype="0" fill="hold" nodeType="clickEffect">
-                                  <p:stCondLst>
-                                    <p:cond delay="0"/>
-                                  </p:stCondLst>
-                                  <p:childTnLst>
-                                    <p:set>
-                                      <p:cBhvr>
-                                        <p:cTn id="6" dur="1" fill="hold">
-                                          <p:stCondLst>
-                                            <p:cond delay="0"/>
-                                          </p:stCondLst>
-                                        </p:cTn>
-                                        <p:tgtEl>
-                                          <p:spTgt spid="5"/>
-                                        </p:tgtEl>
-                                        <p:attrNameLst>
-                                          <p:attrName>style.visibility</p:attrName>
-                                        </p:attrNameLst>
-                                      </p:cBhvr>
-                                      <p:to>
-                                        <p:strVal val="visible"/>
-                                      </p:to>
-                                    </p:set>
-                                  </p:childTnLst>
-                                </p:cTn>
-                              </p:par>
-                            </p:childTnLst>
-                          </p:cTn>
-                        </p:par>
-                      </p:childTnLst>
-                    </p:cTn>
-                  </p:par>
-                </p:childTnLst>
-              </p:cTn>
-              <p:prevCondLst>
-                <p:cond evt="onPrev" delay="0">
-                  <p:tgtEl>
-                    <p:sldTgt/>
-                  </p:tgtEl>
-                </p:cond>
-              </p:prevCondLst>
-              <p:nextCondLst>
-                <p:cond evt="onNext" delay="0">
-                  <p:tgtEl>
-                    <p:sldTgt/>
-                  </p:tgtEl>
-                </p:cond>
-              </p:nextCondLst>
-            </p:seq>
-          </p:childTnLst>
-        </p:cTn>
+        <p:cTn id="1" dur="indefinite" restart="never" nodeType="tmRoot"/>
       </p:par>
     </p:tnLst>
   </p:timing>
